--- a/typora/有限状态机的向量化运行.pptx
+++ b/typora/有限状态机的向量化运行.pptx
@@ -5,16 +5,19 @@
     <p:sldMasterId id="2147483648" r:id="rId1"/>
   </p:sldMasterIdLst>
   <p:notesMasterIdLst>
-    <p:notesMasterId r:id="rId4"/>
+    <p:notesMasterId r:id="rId10"/>
   </p:notesMasterIdLst>
   <p:handoutMasterIdLst>
-    <p:handoutMasterId r:id="rId8"/>
+    <p:handoutMasterId r:id="rId11"/>
   </p:handoutMasterIdLst>
   <p:sldIdLst>
-    <p:sldId id="256" r:id="rId3"/>
-    <p:sldId id="257" r:id="rId5"/>
-    <p:sldId id="259" r:id="rId6"/>
-    <p:sldId id="258" r:id="rId7"/>
+    <p:sldId id="261" r:id="rId3"/>
+    <p:sldId id="262" r:id="rId4"/>
+    <p:sldId id="263" r:id="rId5"/>
+    <p:sldId id="257" r:id="rId6"/>
+    <p:sldId id="264" r:id="rId7"/>
+    <p:sldId id="259" r:id="rId8"/>
+    <p:sldId id="258" r:id="rId9"/>
   </p:sldIdLst>
   <p:sldSz cx="12192000" cy="6858000"/>
   <p:notesSz cx="6858000" cy="9144000"/>
@@ -649,84 +652,6 @@
     </a:lvl9pPr>
   </p:notesStyle>
 </p:notesMaster>
-</file>
-
-<file path=ppt/notesSlides/notesSlide1.xml><?xml version="1.0" encoding="utf-8"?>
-<p:notes xmlns:a="http://schemas.openxmlformats.org/drawingml/2006/main" xmlns:r="http://schemas.openxmlformats.org/officeDocument/2006/relationships" xmlns:p="http://schemas.openxmlformats.org/presentationml/2006/main">
-  <p:cSld>
-    <p:spTree>
-      <p:nvGrpSpPr>
-        <p:cNvPr id="1" name=""/>
-        <p:cNvGrpSpPr/>
-        <p:nvPr/>
-      </p:nvGrpSpPr>
-      <p:grpSpPr>
-        <a:xfrm>
-          <a:off x="0" y="0"/>
-          <a:ext cx="0" cy="0"/>
-          <a:chOff x="0" y="0"/>
-          <a:chExt cx="0" cy="0"/>
-        </a:xfrm>
-      </p:grpSpPr>
-      <p:sp>
-        <p:nvSpPr>
-          <p:cNvPr id="2" name="幻灯片图像占位符 1"/>
-          <p:cNvSpPr>
-            <a:spLocks noGrp="1" noRot="1" noChangeAspect="1"/>
-          </p:cNvSpPr>
-          <p:nvPr>
-            <p:ph type="sldImg"/>
-          </p:nvPr>
-        </p:nvSpPr>
-        <p:spPr/>
-      </p:sp>
-      <p:sp>
-        <p:nvSpPr>
-          <p:cNvPr id="3" name="备注占位符 2"/>
-          <p:cNvSpPr>
-            <a:spLocks noGrp="1"/>
-          </p:cNvSpPr>
-          <p:nvPr>
-            <p:ph type="body" idx="1"/>
-          </p:nvPr>
-        </p:nvSpPr>
-        <p:spPr/>
-        <p:txBody>
-          <a:bodyPr/>
-          <a:lstStyle/>
-          <a:p>
-            <a:endParaRPr lang="zh-CN" altLang="en-US"/>
-          </a:p>
-        </p:txBody>
-      </p:sp>
-      <p:sp>
-        <p:nvSpPr>
-          <p:cNvPr id="4" name="灯片编号占位符 3"/>
-          <p:cNvSpPr>
-            <a:spLocks noGrp="1"/>
-          </p:cNvSpPr>
-          <p:nvPr>
-            <p:ph type="sldNum" sz="quarter" idx="10"/>
-          </p:nvPr>
-        </p:nvSpPr>
-        <p:spPr/>
-        <p:txBody>
-          <a:bodyPr/>
-          <a:lstStyle/>
-          <a:p>
-            <a:fld id="{85D0DACE-38E0-42D2-9336-2B707D34BC6D}" type="slidenum">
-              <a:rPr lang="zh-CN" altLang="en-US" smtClean="0"/>
-            </a:fld>
-            <a:endParaRPr lang="zh-CN" altLang="en-US"/>
-          </a:p>
-        </p:txBody>
-      </p:sp>
-    </p:spTree>
-  </p:cSld>
-  <p:clrMapOvr>
-    <a:masterClrMapping/>
-  </p:clrMapOvr>
-</p:notes>
 </file>
 
 <file path=ppt/slideLayouts/slideLayout1.xml><?xml version="1.0" encoding="utf-8"?>
@@ -4725,69 +4650,91 @@
         <p:cNvGrpSpPr/>
         <p:nvPr/>
       </p:nvGrpSpPr>
-      <p:grpSpPr>
-        <a:xfrm>
-          <a:off x="0" y="0"/>
-          <a:ext cx="0" cy="0"/>
-          <a:chOff x="0" y="0"/>
-          <a:chExt cx="0" cy="0"/>
-        </a:xfrm>
-      </p:grpSpPr>
+      <p:grpSpPr/>
       <p:sp>
         <p:nvSpPr>
-          <p:cNvPr id="2" name="标题 1"/>
-          <p:cNvSpPr>
-            <a:spLocks noGrp="1"/>
-          </p:cNvSpPr>
-          <p:nvPr>
-            <p:ph type="ctrTitle"/>
-            <p:custDataLst>
-              <p:tags r:id="rId1"/>
-            </p:custDataLst>
-          </p:nvPr>
+          <p:cNvPr id="2" name="文本框 1"/>
+          <p:cNvSpPr txBox="1"/>
+          <p:nvPr/>
         </p:nvSpPr>
-        <p:spPr/>
+        <p:spPr>
+          <a:xfrm>
+            <a:off x="1412875" y="1443990"/>
+            <a:ext cx="8448040" cy="3322955"/>
+          </a:xfrm>
+          <a:prstGeom prst="rect">
+            <a:avLst/>
+          </a:prstGeom>
+          <a:noFill/>
+        </p:spPr>
         <p:txBody>
-          <a:bodyPr/>
-          <a:lstStyle/>
-          <a:p>
+          <a:bodyPr wrap="square" rtlCol="0" anchor="t">
+            <a:spAutoFit/>
+          </a:bodyPr>
+          <a:p>
+            <a:r>
+              <a:rPr lang="zh-CN" altLang="en-US" sz="3600"/>
+              <a:t>1. 什么是推荐系统的冷启动/数据的冷启动？</a:t>
+            </a:r>
+            <a:endParaRPr lang="zh-CN" altLang="en-US" sz="3600"/>
+          </a:p>
+          <a:p>
+            <a:endParaRPr lang="zh-CN" altLang="en-US"/>
+          </a:p>
+          <a:p>
+            <a:pPr marL="0" indent="508000" fontAlgn="auto">
+              <a:extLst>
+                <a:ext uri="{35155182-B16C-46BC-9424-99874614C6A1}">
+                  <wpsdc:indentchars xmlns:wpsdc="http://www.wps.cn/officeDocument/2017/drawingmlCustomData" val="200" checksum="282533468"/>
+                  <wpsdc:marlchars xmlns:wpsdc="http://www.wps.cn/officeDocument/2017/drawingmlCustomData" val="0" checksum="0"/>
+                </a:ext>
+              </a:extLst>
+            </a:pPr>
             <a:r>
               <a:rPr lang="zh-CN" altLang="en-US" sz="2000"/>
-              <a:t>https://blog.csdn.net/c9yv2cf9i06k2a9e/article/details/108898312</a:t>
+              <a:t>你有没有疑惑过，一个从来没有过淘宝的人，打开界面会给你推荐什么？</a:t>
             </a:r>
             <a:endParaRPr lang="zh-CN" altLang="en-US" sz="2000"/>
           </a:p>
-        </p:txBody>
-      </p:sp>
-      <p:sp>
-        <p:nvSpPr>
-          <p:cNvPr id="3" name="副标题 2"/>
-          <p:cNvSpPr>
-            <a:spLocks noGrp="1"/>
-          </p:cNvSpPr>
-          <p:nvPr>
-            <p:ph type="subTitle" idx="1"/>
-            <p:custDataLst>
-              <p:tags r:id="rId2"/>
-            </p:custDataLst>
-          </p:nvPr>
-        </p:nvSpPr>
-        <p:spPr/>
-        <p:txBody>
-          <a:bodyPr/>
-          <a:lstStyle/>
-          <a:p>
-            <a:r>
-              <a:rPr lang="zh-CN" altLang="en-US"/>
-              <a:t>在此输入您的封面副标题</a:t>
-            </a:r>
-            <a:endParaRPr lang="zh-CN" altLang="en-US"/>
+          <a:p>
+            <a:pPr marL="0" indent="508000" fontAlgn="auto">
+              <a:extLst>
+                <a:ext uri="{35155182-B16C-46BC-9424-99874614C6A1}">
+                  <wpsdc:indentchars xmlns:wpsdc="http://www.wps.cn/officeDocument/2017/drawingmlCustomData" val="200" checksum="282533468"/>
+                  <wpsdc:marlchars xmlns:wpsdc="http://www.wps.cn/officeDocument/2017/drawingmlCustomData" val="0" checksum="0"/>
+                </a:ext>
+              </a:extLst>
+            </a:pPr>
+            <a:r>
+              <a:rPr lang="zh-CN" altLang="en-US" sz="2000"/>
+              <a:t>随机推荐吗？这是最差劲的冷处理方式吧。至少热门推荐也会比这个好一些。</a:t>
+            </a:r>
+            <a:endParaRPr lang="zh-CN" altLang="en-US" sz="2000"/>
+          </a:p>
+          <a:p>
+            <a:pPr marL="0" indent="508000" fontAlgn="auto">
+              <a:extLst>
+                <a:ext uri="{35155182-B16C-46BC-9424-99874614C6A1}">
+                  <wpsdc:indentchars xmlns:wpsdc="http://www.wps.cn/officeDocument/2017/drawingmlCustomData" val="200" checksum="282533468"/>
+                  <wpsdc:marlchars xmlns:wpsdc="http://www.wps.cn/officeDocument/2017/drawingmlCustomData" val="0" checksum="0"/>
+                </a:ext>
+              </a:extLst>
+            </a:pPr>
+            <a:r>
+              <a:rPr lang="zh-CN" altLang="en-US" sz="2000"/>
+              <a:t>这种情况就是推荐系统的冷启动，通俗一点来说</a:t>
+            </a:r>
+            <a:r>
+              <a:rPr lang="zh-CN" altLang="en-US" sz="2000"/>
+              <a:t>就是一个没用过这个东西的用户，你怎么给他推荐东西？</a:t>
+            </a:r>
+            <a:endParaRPr lang="zh-CN" altLang="en-US" sz="2000"/>
           </a:p>
         </p:txBody>
       </p:sp>
     </p:spTree>
     <p:custDataLst>
-      <p:tags r:id="rId3"/>
+      <p:tags r:id="rId1"/>
     </p:custDataLst>
   </p:cSld>
   <p:clrMapOvr>
@@ -4808,14 +4755,166 @@
       <p:grpSpPr/>
       <p:sp>
         <p:nvSpPr>
+          <p:cNvPr id="2" name="文本框 1"/>
+          <p:cNvSpPr txBox="1"/>
+          <p:nvPr/>
+        </p:nvSpPr>
+        <p:spPr>
+          <a:xfrm>
+            <a:off x="1075055" y="480060"/>
+            <a:ext cx="9601835" cy="398780"/>
+          </a:xfrm>
+          <a:prstGeom prst="rect">
+            <a:avLst/>
+          </a:prstGeom>
+          <a:noFill/>
+        </p:spPr>
+        <p:txBody>
+          <a:bodyPr wrap="square" rtlCol="0" anchor="t">
+            <a:spAutoFit/>
+          </a:bodyPr>
+          <a:p>
+            <a:r>
+              <a:rPr lang="en-US" altLang="zh-CN" sz="2000"/>
+              <a:t>2</a:t>
+            </a:r>
+            <a:r>
+              <a:rPr lang="zh-CN" altLang="en-US" sz="2000"/>
+              <a:t>. 多任务学习：把多个相关（related）的任务放在一起学习，同时学习多个任务。</a:t>
+            </a:r>
+            <a:endParaRPr lang="zh-CN" altLang="en-US" sz="2000"/>
+          </a:p>
+        </p:txBody>
+      </p:sp>
+      <p:pic>
+        <p:nvPicPr>
+          <p:cNvPr id="3" name="图片 2"/>
+          <p:cNvPicPr>
+            <a:picLocks noChangeAspect="1"/>
+          </p:cNvPicPr>
+          <p:nvPr/>
+        </p:nvPicPr>
+        <p:blipFill>
+          <a:blip r:embed="rId1"/>
+          <a:stretch>
+            <a:fillRect/>
+          </a:stretch>
+        </p:blipFill>
+        <p:spPr>
+          <a:xfrm>
+            <a:off x="961390" y="1073150"/>
+            <a:ext cx="5124450" cy="5419725"/>
+          </a:xfrm>
+          <a:prstGeom prst="rect">
+            <a:avLst/>
+          </a:prstGeom>
+        </p:spPr>
+      </p:pic>
+    </p:spTree>
+    <p:custDataLst>
+      <p:tags r:id="rId2"/>
+    </p:custDataLst>
+  </p:cSld>
+  <p:clrMapOvr>
+    <a:masterClrMapping/>
+  </p:clrMapOvr>
+</p:sld>
+</file>
+
+<file path=ppt/slides/slide3.xml><?xml version="1.0" encoding="utf-8"?>
+<p:sld xmlns:a="http://schemas.openxmlformats.org/drawingml/2006/main" xmlns:r="http://schemas.openxmlformats.org/officeDocument/2006/relationships" xmlns:p="http://schemas.openxmlformats.org/presentationml/2006/main">
+  <p:cSld>
+    <p:spTree>
+      <p:nvGrpSpPr>
+        <p:cNvPr id="1" name=""/>
+        <p:cNvGrpSpPr/>
+        <p:nvPr/>
+      </p:nvGrpSpPr>
+      <p:grpSpPr/>
+      <p:pic>
+        <p:nvPicPr>
+          <p:cNvPr id="2" name="图片 1"/>
+          <p:cNvPicPr>
+            <a:picLocks noChangeAspect="1"/>
+          </p:cNvPicPr>
+          <p:nvPr/>
+        </p:nvPicPr>
+        <p:blipFill>
+          <a:blip r:embed="rId1"/>
+          <a:stretch>
+            <a:fillRect/>
+          </a:stretch>
+        </p:blipFill>
+        <p:spPr>
+          <a:xfrm>
+            <a:off x="1513205" y="1362710"/>
+            <a:ext cx="9564370" cy="4318635"/>
+          </a:xfrm>
+          <a:prstGeom prst="rect">
+            <a:avLst/>
+          </a:prstGeom>
+        </p:spPr>
+      </p:pic>
+      <p:sp>
+        <p:nvSpPr>
+          <p:cNvPr id="5" name="文本框 4"/>
+          <p:cNvSpPr txBox="1"/>
+          <p:nvPr/>
+        </p:nvSpPr>
+        <p:spPr>
+          <a:xfrm>
+            <a:off x="1431925" y="549910"/>
+            <a:ext cx="9645650" cy="398780"/>
+          </a:xfrm>
+          <a:prstGeom prst="rect">
+            <a:avLst/>
+          </a:prstGeom>
+          <a:noFill/>
+        </p:spPr>
+        <p:txBody>
+          <a:bodyPr wrap="square" rtlCol="0" anchor="t">
+            <a:spAutoFit/>
+          </a:bodyPr>
+          <a:p>
+            <a:r>
+              <a:rPr lang="zh-CN" altLang="en-US" sz="2000"/>
+              <a:t> 3.知识蒸馏是利用一个新的比较小的模型取学习原来的较大的模型的softmax分布</a:t>
+            </a:r>
+            <a:endParaRPr lang="zh-CN" altLang="en-US" sz="2000"/>
+          </a:p>
+        </p:txBody>
+      </p:sp>
+    </p:spTree>
+    <p:custDataLst>
+      <p:tags r:id="rId2"/>
+    </p:custDataLst>
+  </p:cSld>
+  <p:clrMapOvr>
+    <a:masterClrMapping/>
+  </p:clrMapOvr>
+</p:sld>
+</file>
+
+<file path=ppt/slides/slide4.xml><?xml version="1.0" encoding="utf-8"?>
+<p:sld xmlns:a="http://schemas.openxmlformats.org/drawingml/2006/main" xmlns:r="http://schemas.openxmlformats.org/officeDocument/2006/relationships" xmlns:p="http://schemas.openxmlformats.org/presentationml/2006/main">
+  <p:cSld>
+    <p:spTree>
+      <p:nvGrpSpPr>
+        <p:cNvPr id="1" name=""/>
+        <p:cNvGrpSpPr/>
+        <p:nvPr/>
+      </p:nvGrpSpPr>
+      <p:grpSpPr/>
+      <p:sp>
+        <p:nvSpPr>
           <p:cNvPr id="46" name="矩形 45"/>
           <p:cNvSpPr/>
           <p:nvPr/>
         </p:nvSpPr>
         <p:spPr>
           <a:xfrm>
-            <a:off x="1074420" y="3376295"/>
-            <a:ext cx="9325610" cy="2795270"/>
+            <a:off x="1357630" y="3399155"/>
+            <a:ext cx="9325610" cy="3329940"/>
           </a:xfrm>
           <a:prstGeom prst="rect">
             <a:avLst/>
@@ -4851,7 +4950,7 @@
           <p:nvPr/>
         </p:nvGraphicFramePr>
         <p:xfrm>
-          <a:off x="2447290" y="5328920"/>
+          <a:off x="2730500" y="5886450"/>
           <a:ext cx="8533765" cy="1143000"/>
         </p:xfrm>
         <a:graphic>
@@ -5008,7 +5107,7 @@
         </p:nvSpPr>
         <p:spPr>
           <a:xfrm>
-            <a:off x="2790825" y="5695315"/>
+            <a:off x="3074035" y="6252845"/>
             <a:ext cx="483235" cy="368300"/>
           </a:xfrm>
           <a:prstGeom prst="rect">
@@ -5049,7 +5148,7 @@
           <p:nvPr/>
         </p:nvGraphicFramePr>
         <p:xfrm>
-          <a:off x="3978275" y="5328920"/>
+          <a:off x="4261485" y="5886450"/>
           <a:ext cx="8533765" cy="1143000"/>
         </p:xfrm>
         <a:graphic>
@@ -5206,7 +5305,7 @@
         </p:nvSpPr>
         <p:spPr>
           <a:xfrm>
-            <a:off x="4060190" y="5695950"/>
+            <a:off x="4343400" y="6253480"/>
             <a:ext cx="916940" cy="368300"/>
           </a:xfrm>
           <a:prstGeom prst="rect">
@@ -5267,7 +5366,7 @@
           <p:nvPr/>
         </p:nvGraphicFramePr>
         <p:xfrm>
-          <a:off x="5439410" y="5328920"/>
+          <a:off x="5722620" y="5886450"/>
           <a:ext cx="8533765" cy="1143000"/>
         </p:xfrm>
         <a:graphic>
@@ -5429,7 +5528,7 @@
         </p:nvSpPr>
         <p:spPr>
           <a:xfrm>
-            <a:off x="5737860" y="5695950"/>
+            <a:off x="6021070" y="6253480"/>
             <a:ext cx="483235" cy="368300"/>
           </a:xfrm>
           <a:prstGeom prst="rect">
@@ -5468,7 +5567,7 @@
           <p:nvPr/>
         </p:nvGraphicFramePr>
         <p:xfrm>
-          <a:off x="6710680" y="5328920"/>
+          <a:off x="6993890" y="5886450"/>
           <a:ext cx="8533765" cy="1143000"/>
         </p:xfrm>
         <a:graphic>
@@ -5631,7 +5730,7 @@
         </p:nvSpPr>
         <p:spPr>
           <a:xfrm>
-            <a:off x="7009130" y="5695315"/>
+            <a:off x="7292340" y="6252845"/>
             <a:ext cx="483235" cy="368300"/>
           </a:xfrm>
           <a:prstGeom prst="rect">
@@ -5670,7 +5769,7 @@
           <p:nvPr/>
         </p:nvGraphicFramePr>
         <p:xfrm>
-          <a:off x="8272780" y="5328920"/>
+          <a:off x="8555990" y="5886450"/>
           <a:ext cx="8533765" cy="1143000"/>
         </p:xfrm>
         <a:graphic>
@@ -5834,7 +5933,7 @@
         </p:nvSpPr>
         <p:spPr>
           <a:xfrm>
-            <a:off x="8321675" y="5695315"/>
+            <a:off x="8604885" y="6252845"/>
             <a:ext cx="982345" cy="368300"/>
           </a:xfrm>
           <a:prstGeom prst="rect">
@@ -5895,7 +5994,7 @@
           <p:nvPr/>
         </p:nvGraphicFramePr>
         <p:xfrm>
-          <a:off x="1167130" y="5328285"/>
+          <a:off x="1450340" y="5885815"/>
           <a:ext cx="8533765" cy="1143000"/>
         </p:xfrm>
         <a:graphic>
@@ -6052,7 +6151,7 @@
         </p:nvSpPr>
         <p:spPr>
           <a:xfrm>
-            <a:off x="1510665" y="5695950"/>
+            <a:off x="1793875" y="6253480"/>
             <a:ext cx="483235" cy="368300"/>
           </a:xfrm>
           <a:prstGeom prst="rect">
@@ -6088,7 +6187,7 @@
           <p:nvPr/>
         </p:nvGraphicFramePr>
         <p:xfrm>
-          <a:off x="1797685" y="3551555"/>
+          <a:off x="2080895" y="4109085"/>
           <a:ext cx="1080135" cy="1101090"/>
         </p:xfrm>
         <a:graphic>
@@ -6487,7 +6586,7 @@
         </p:nvSpPr>
         <p:spPr>
           <a:xfrm>
-            <a:off x="2135505" y="4652645"/>
+            <a:off x="2418715" y="5210175"/>
             <a:ext cx="405130" cy="368300"/>
           </a:xfrm>
           <a:prstGeom prst="rect">
@@ -6522,7 +6621,7 @@
           <p:nvPr/>
         </p:nvGraphicFramePr>
         <p:xfrm>
-          <a:off x="3246755" y="3551555"/>
+          <a:off x="3529965" y="4109085"/>
           <a:ext cx="1080135" cy="1101090"/>
         </p:xfrm>
         <a:graphic>
@@ -6921,7 +7020,7 @@
         </p:nvSpPr>
         <p:spPr>
           <a:xfrm>
-            <a:off x="3406775" y="4652645"/>
+            <a:off x="3689985" y="5210175"/>
             <a:ext cx="760730" cy="368300"/>
           </a:xfrm>
           <a:prstGeom prst="rect">
@@ -6964,7 +7063,7 @@
           <p:nvPr/>
         </p:nvGraphicFramePr>
         <p:xfrm>
-          <a:off x="4773930" y="3551555"/>
+          <a:off x="5057140" y="4109085"/>
           <a:ext cx="1080135" cy="1101090"/>
         </p:xfrm>
         <a:graphic>
@@ -7368,7 +7467,7 @@
         </p:nvSpPr>
         <p:spPr>
           <a:xfrm>
-            <a:off x="5111750" y="4652645"/>
+            <a:off x="5394960" y="5210175"/>
             <a:ext cx="405130" cy="368300"/>
           </a:xfrm>
           <a:prstGeom prst="rect">
@@ -7404,7 +7503,7 @@
         </p:nvSpPr>
         <p:spPr>
           <a:xfrm>
-            <a:off x="1884680" y="5046980"/>
+            <a:off x="2167890" y="5604510"/>
             <a:ext cx="905510" cy="281305"/>
           </a:xfrm>
           <a:prstGeom prst="curvedDownArrow">
@@ -7447,7 +7546,7 @@
         </p:nvSpPr>
         <p:spPr>
           <a:xfrm>
-            <a:off x="3154680" y="5047615"/>
+            <a:off x="3437890" y="5605145"/>
             <a:ext cx="1264920" cy="281305"/>
           </a:xfrm>
           <a:prstGeom prst="curvedDownArrow">
@@ -7490,7 +7589,7 @@
         </p:nvSpPr>
         <p:spPr>
           <a:xfrm>
-            <a:off x="4714240" y="5046980"/>
+            <a:off x="4997450" y="5604510"/>
             <a:ext cx="1198880" cy="281305"/>
           </a:xfrm>
           <a:prstGeom prst="curvedDownArrow">
@@ -7533,7 +7632,7 @@
         </p:nvSpPr>
         <p:spPr>
           <a:xfrm>
-            <a:off x="6150610" y="5047615"/>
+            <a:off x="6433820" y="5605145"/>
             <a:ext cx="993140" cy="281305"/>
           </a:xfrm>
           <a:prstGeom prst="curvedDownArrow">
@@ -7575,7 +7674,7 @@
           <p:nvPr/>
         </p:nvGraphicFramePr>
         <p:xfrm>
-          <a:off x="6106795" y="3551555"/>
+          <a:off x="6390005" y="4109085"/>
           <a:ext cx="1080135" cy="1101090"/>
         </p:xfrm>
         <a:graphic>
@@ -7980,7 +8079,7 @@
         </p:nvSpPr>
         <p:spPr>
           <a:xfrm>
-            <a:off x="6444615" y="4652645"/>
+            <a:off x="6727825" y="5210175"/>
             <a:ext cx="405130" cy="368300"/>
           </a:xfrm>
           <a:prstGeom prst="rect">
@@ -8016,7 +8115,7 @@
         </p:nvSpPr>
         <p:spPr>
           <a:xfrm>
-            <a:off x="7435850" y="5047615"/>
+            <a:off x="7719060" y="5605145"/>
             <a:ext cx="1264920" cy="281305"/>
           </a:xfrm>
           <a:prstGeom prst="curvedDownArrow">
@@ -8058,7 +8157,7 @@
           <p:nvPr/>
         </p:nvGraphicFramePr>
         <p:xfrm>
-          <a:off x="7528560" y="3551555"/>
+          <a:off x="7811770" y="4109085"/>
           <a:ext cx="1080135" cy="1101090"/>
         </p:xfrm>
         <a:graphic>
@@ -8457,7 +8556,7 @@
         </p:nvSpPr>
         <p:spPr>
           <a:xfrm>
-            <a:off x="7688580" y="4652645"/>
+            <a:off x="7971790" y="5210175"/>
             <a:ext cx="826135" cy="368300"/>
           </a:xfrm>
           <a:prstGeom prst="rect">
@@ -8500,7 +8599,7 @@
           <p:nvPr/>
         </p:nvGraphicFramePr>
         <p:xfrm>
-          <a:off x="9737725" y="3551555"/>
+          <a:off x="10020935" y="4109085"/>
           <a:ext cx="1080135" cy="1101090"/>
         </p:xfrm>
         <a:graphic>
@@ -8647,7 +8746,7 @@
         </p:nvSpPr>
         <p:spPr>
           <a:xfrm>
-            <a:off x="9471025" y="4652645"/>
+            <a:off x="9754235" y="5210175"/>
             <a:ext cx="894080" cy="583565"/>
           </a:xfrm>
           <a:prstGeom prst="rect">
@@ -8694,7 +8793,7 @@
         </p:nvSpPr>
         <p:spPr>
           <a:xfrm>
-            <a:off x="9007475" y="5047615"/>
+            <a:off x="9290685" y="5605145"/>
             <a:ext cx="1884045" cy="281305"/>
           </a:xfrm>
           <a:prstGeom prst="curvedDownArrow">
@@ -8736,7 +8835,7 @@
           <p:nvPr/>
         </p:nvGraphicFramePr>
         <p:xfrm>
-          <a:off x="10481310" y="5328920"/>
+          <a:off x="10764520" y="5886450"/>
           <a:ext cx="8533765" cy="1143000"/>
         </p:xfrm>
         <a:graphic>
@@ -8895,7 +8994,7 @@
         </p:nvSpPr>
         <p:spPr>
           <a:xfrm>
-            <a:off x="10530205" y="5695315"/>
+            <a:off x="10813415" y="6252845"/>
             <a:ext cx="777240" cy="270510"/>
           </a:xfrm>
           <a:prstGeom prst="rect">
@@ -8929,8 +9028,8 @@
         </p:nvSpPr>
         <p:spPr>
           <a:xfrm>
-            <a:off x="1694815" y="1277620"/>
-            <a:ext cx="2870835" cy="368300"/>
+            <a:off x="131445" y="172720"/>
+            <a:ext cx="3306445" cy="398780"/>
           </a:xfrm>
           <a:prstGeom prst="rect">
             <a:avLst/>
@@ -8943,10 +9042,10 @@
           </a:bodyPr>
           <a:p>
             <a:r>
-              <a:rPr lang="zh-CN" altLang="en-US"/>
+              <a:rPr lang="zh-CN" altLang="en-US" sz="2000"/>
               <a:t>有限状态机的向量化运行</a:t>
             </a:r>
-            <a:endParaRPr lang="zh-CN" altLang="en-US"/>
+            <a:endParaRPr lang="zh-CN" altLang="en-US" sz="2000"/>
           </a:p>
         </p:txBody>
       </p:sp>
@@ -8960,18 +9059,24 @@
         </p:nvPicPr>
         <p:blipFill>
           <a:blip r:embed="rId1"/>
+          <a:srcRect l="-1211" t="-1109" r="16069" b="62087"/>
           <a:stretch>
             <a:fillRect/>
           </a:stretch>
         </p:blipFill>
         <p:spPr>
           <a:xfrm>
-            <a:off x="6269990" y="943610"/>
-            <a:ext cx="3322955" cy="2256155"/>
+            <a:off x="7344410" y="398145"/>
+            <a:ext cx="3303905" cy="1028065"/>
           </a:xfrm>
           <a:prstGeom prst="rect">
             <a:avLst/>
           </a:prstGeom>
+          <a:ln w="28575">
+            <a:solidFill>
+              <a:schemeClr val="accent1"/>
+            </a:solidFill>
+          </a:ln>
         </p:spPr>
       </p:pic>
       <p:graphicFrame>
@@ -8981,7 +9086,7 @@
           <p:nvPr/>
         </p:nvGraphicFramePr>
         <p:xfrm>
-          <a:off x="366395" y="3551555"/>
+          <a:off x="649605" y="4109085"/>
           <a:ext cx="1080135" cy="1101090"/>
         </p:xfrm>
         <a:graphic>
@@ -9029,6 +9134,12 @@
                       </a:solidFill>
                       <a:prstDash val="solid"/>
                     </a:lnB>
+                    <a:solidFill>
+                      <a:schemeClr val="accent1">
+                        <a:lumMod val="60000"/>
+                        <a:lumOff val="40000"/>
+                      </a:schemeClr>
+                    </a:solidFill>
                   </a:tcPr>
                 </a:tc>
               </a:tr>
@@ -9107,12 +9218,7 @@
                       </a:solidFill>
                       <a:prstDash val="solid"/>
                     </a:lnB>
-                    <a:solidFill>
-                      <a:schemeClr val="accent1">
-                        <a:lumMod val="60000"/>
-                        <a:lumOff val="40000"/>
-                      </a:schemeClr>
-                    </a:solidFill>
+                    <a:noFill/>
                   </a:tcPr>
                 </a:tc>
               </a:tr>
@@ -9128,7 +9234,7 @@
         </p:nvSpPr>
         <p:spPr>
           <a:xfrm>
-            <a:off x="99695" y="4652645"/>
+            <a:off x="382905" y="5210175"/>
             <a:ext cx="894080" cy="583565"/>
           </a:xfrm>
           <a:prstGeom prst="rect">
@@ -9167,6 +9273,748 @@
           </a:p>
         </p:txBody>
       </p:sp>
+      <p:pic>
+        <p:nvPicPr>
+          <p:cNvPr id="4" name="图片 3"/>
+          <p:cNvPicPr>
+            <a:picLocks noChangeAspect="1"/>
+          </p:cNvPicPr>
+          <p:nvPr/>
+        </p:nvPicPr>
+        <p:blipFill>
+          <a:blip r:embed="rId2"/>
+          <a:stretch>
+            <a:fillRect/>
+          </a:stretch>
+        </p:blipFill>
+        <p:spPr>
+          <a:xfrm>
+            <a:off x="1343660" y="504190"/>
+            <a:ext cx="5387975" cy="2876550"/>
+          </a:xfrm>
+          <a:prstGeom prst="rect">
+            <a:avLst/>
+          </a:prstGeom>
+        </p:spPr>
+      </p:pic>
+      <p:sp>
+        <p:nvSpPr>
+          <p:cNvPr id="12" name="文本框 11"/>
+          <p:cNvSpPr txBox="1"/>
+          <p:nvPr/>
+        </p:nvSpPr>
+        <p:spPr>
+          <a:xfrm>
+            <a:off x="2047240" y="3740785"/>
+            <a:ext cx="379730" cy="368300"/>
+          </a:xfrm>
+          <a:prstGeom prst="rect">
+            <a:avLst/>
+          </a:prstGeom>
+          <a:noFill/>
+        </p:spPr>
+        <p:txBody>
+          <a:bodyPr wrap="none" rtlCol="0">
+            <a:spAutoFit/>
+          </a:bodyPr>
+          <a:p>
+            <a:r>
+              <a:rPr lang="en-US" altLang="zh-CN"/>
+              <a:t>s</a:t>
+            </a:r>
+            <a:r>
+              <a:rPr lang="en-US" altLang="zh-CN" baseline="-25000"/>
+              <a:t>0</a:t>
+            </a:r>
+            <a:endParaRPr lang="en-US" altLang="zh-CN" b="1" i="1" baseline="30000"/>
+          </a:p>
+        </p:txBody>
+      </p:sp>
+      <p:sp>
+        <p:nvSpPr>
+          <p:cNvPr id="35" name="文本框 34"/>
+          <p:cNvSpPr txBox="1"/>
+          <p:nvPr/>
+        </p:nvSpPr>
+        <p:spPr>
+          <a:xfrm>
+            <a:off x="2444115" y="3740785"/>
+            <a:ext cx="379730" cy="368300"/>
+          </a:xfrm>
+          <a:prstGeom prst="rect">
+            <a:avLst/>
+          </a:prstGeom>
+          <a:noFill/>
+        </p:spPr>
+        <p:txBody>
+          <a:bodyPr wrap="none" rtlCol="0">
+            <a:spAutoFit/>
+          </a:bodyPr>
+          <a:p>
+            <a:r>
+              <a:rPr lang="en-US" altLang="zh-CN"/>
+              <a:t>s</a:t>
+            </a:r>
+            <a:r>
+              <a:rPr lang="en-US" altLang="zh-CN" baseline="-25000"/>
+              <a:t>1</a:t>
+            </a:r>
+            <a:endParaRPr lang="en-US" altLang="zh-CN" b="1" i="1" baseline="30000"/>
+          </a:p>
+        </p:txBody>
+      </p:sp>
+      <p:sp>
+        <p:nvSpPr>
+          <p:cNvPr id="41" name="文本框 40"/>
+          <p:cNvSpPr txBox="1"/>
+          <p:nvPr/>
+        </p:nvSpPr>
+        <p:spPr>
+          <a:xfrm>
+            <a:off x="2781300" y="3740785"/>
+            <a:ext cx="379730" cy="368300"/>
+          </a:xfrm>
+          <a:prstGeom prst="rect">
+            <a:avLst/>
+          </a:prstGeom>
+          <a:noFill/>
+        </p:spPr>
+        <p:txBody>
+          <a:bodyPr wrap="none" rtlCol="0">
+            <a:spAutoFit/>
+          </a:bodyPr>
+          <a:p>
+            <a:r>
+              <a:rPr lang="en-US" altLang="zh-CN"/>
+              <a:t>s</a:t>
+            </a:r>
+            <a:r>
+              <a:rPr lang="en-US" altLang="zh-CN" baseline="-25000"/>
+              <a:t>2</a:t>
+            </a:r>
+            <a:endParaRPr lang="en-US" altLang="zh-CN" b="1" i="1" baseline="30000"/>
+          </a:p>
+        </p:txBody>
+      </p:sp>
+      <p:sp>
+        <p:nvSpPr>
+          <p:cNvPr id="42" name="文本框 41"/>
+          <p:cNvSpPr txBox="1"/>
+          <p:nvPr/>
+        </p:nvSpPr>
+        <p:spPr>
+          <a:xfrm>
+            <a:off x="1701165" y="4843780"/>
+            <a:ext cx="379730" cy="368300"/>
+          </a:xfrm>
+          <a:prstGeom prst="rect">
+            <a:avLst/>
+          </a:prstGeom>
+          <a:noFill/>
+        </p:spPr>
+        <p:txBody>
+          <a:bodyPr wrap="none" rtlCol="0">
+            <a:spAutoFit/>
+          </a:bodyPr>
+          <a:p>
+            <a:r>
+              <a:rPr lang="en-US" altLang="zh-CN"/>
+              <a:t>s</a:t>
+            </a:r>
+            <a:r>
+              <a:rPr lang="en-US" altLang="zh-CN" baseline="-25000"/>
+              <a:t>2</a:t>
+            </a:r>
+            <a:endParaRPr lang="en-US" altLang="zh-CN" b="1" i="1" baseline="30000"/>
+          </a:p>
+        </p:txBody>
+      </p:sp>
+      <p:sp>
+        <p:nvSpPr>
+          <p:cNvPr id="48" name="文本框 47"/>
+          <p:cNvSpPr txBox="1"/>
+          <p:nvPr/>
+        </p:nvSpPr>
+        <p:spPr>
+          <a:xfrm>
+            <a:off x="1701165" y="4475480"/>
+            <a:ext cx="379730" cy="368300"/>
+          </a:xfrm>
+          <a:prstGeom prst="rect">
+            <a:avLst/>
+          </a:prstGeom>
+          <a:noFill/>
+        </p:spPr>
+        <p:txBody>
+          <a:bodyPr wrap="none" rtlCol="0">
+            <a:spAutoFit/>
+          </a:bodyPr>
+          <a:p>
+            <a:r>
+              <a:rPr lang="en-US" altLang="zh-CN"/>
+              <a:t>s</a:t>
+            </a:r>
+            <a:r>
+              <a:rPr lang="en-US" altLang="zh-CN" baseline="-25000"/>
+              <a:t>1</a:t>
+            </a:r>
+            <a:endParaRPr lang="en-US" altLang="zh-CN" b="1" i="1" baseline="30000"/>
+          </a:p>
+        </p:txBody>
+      </p:sp>
+      <p:sp>
+        <p:nvSpPr>
+          <p:cNvPr id="49" name="文本框 48"/>
+          <p:cNvSpPr txBox="1"/>
+          <p:nvPr/>
+        </p:nvSpPr>
+        <p:spPr>
+          <a:xfrm>
+            <a:off x="1701165" y="4109085"/>
+            <a:ext cx="379730" cy="368300"/>
+          </a:xfrm>
+          <a:prstGeom prst="rect">
+            <a:avLst/>
+          </a:prstGeom>
+          <a:noFill/>
+        </p:spPr>
+        <p:txBody>
+          <a:bodyPr wrap="none" rtlCol="0">
+            <a:spAutoFit/>
+          </a:bodyPr>
+          <a:p>
+            <a:r>
+              <a:rPr lang="en-US" altLang="zh-CN"/>
+              <a:t>s</a:t>
+            </a:r>
+            <a:r>
+              <a:rPr lang="en-US" altLang="zh-CN" baseline="-25000"/>
+              <a:t>0</a:t>
+            </a:r>
+            <a:endParaRPr lang="en-US" altLang="zh-CN" b="1" i="1" baseline="30000"/>
+          </a:p>
+        </p:txBody>
+      </p:sp>
+      <p:sp>
+        <p:nvSpPr>
+          <p:cNvPr id="50" name="文本框 49"/>
+          <p:cNvSpPr txBox="1"/>
+          <p:nvPr/>
+        </p:nvSpPr>
+        <p:spPr>
+          <a:xfrm>
+            <a:off x="2047240" y="3398520"/>
+            <a:ext cx="7031355" cy="398780"/>
+          </a:xfrm>
+          <a:prstGeom prst="rect">
+            <a:avLst/>
+          </a:prstGeom>
+          <a:noFill/>
+        </p:spPr>
+        <p:txBody>
+          <a:bodyPr wrap="square" rtlCol="0" anchor="t">
+            <a:spAutoFit/>
+          </a:bodyPr>
+          <a:p>
+            <a:r>
+              <a:rPr lang="en-US" altLang="zh-CN" sz="2000" b="1"/>
+              <a:t>&lt;BOS&gt;        …me                 how            far          …&lt;EOS&gt;</a:t>
+            </a:r>
+            <a:endParaRPr lang="en-US" altLang="zh-CN" sz="2000" b="1"/>
+          </a:p>
+        </p:txBody>
+      </p:sp>
+      <p:graphicFrame>
+        <p:nvGraphicFramePr>
+          <p:cNvPr id="51" name="对象 50">
+            <a:hlinkClick r:id="" action="ppaction://ole?verb="/>
+          </p:cNvPr>
+          <p:cNvGraphicFramePr>
+            <a:graphicFrameLocks noChangeAspect="1"/>
+          </p:cNvGraphicFramePr>
+          <p:nvPr/>
+        </p:nvGraphicFramePr>
+        <p:xfrm>
+          <a:off x="2530475" y="5578475"/>
+          <a:ext cx="114300" cy="114300"/>
+        </p:xfrm>
+        <a:graphic>
+          <a:graphicData uri="http://schemas.openxmlformats.org/presentationml/2006/ole">
+            <mc:AlternateContent xmlns:mc="http://schemas.openxmlformats.org/markup-compatibility/2006">
+              <mc:Choice xmlns:v="urn:schemas-microsoft-com:vml" Requires="v">
+                <p:oleObj spid="_x0000_s1025" name="" r:id="rId3" imgW="114300" imgH="114300" progId="Equation.KSEE3">
+                  <p:embed/>
+                </p:oleObj>
+              </mc:Choice>
+              <mc:Fallback>
+                <p:oleObj name="" r:id="rId3" imgW="114300" imgH="114300" progId="Equation.KSEE3">
+                  <p:embed/>
+                  <p:pic>
+                    <p:nvPicPr>
+                      <p:cNvPr id="0" name="图片 1024"/>
+                      <p:cNvPicPr/>
+                      <p:nvPr/>
+                    </p:nvPicPr>
+                    <p:blipFill>
+                      <a:blip r:embed="rId4"/>
+                      <a:stretch>
+                        <a:fillRect/>
+                      </a:stretch>
+                    </p:blipFill>
+                    <p:spPr>
+                      <a:xfrm>
+                        <a:off x="2530475" y="5578475"/>
+                        <a:ext cx="114300" cy="114300"/>
+                      </a:xfrm>
+                      <a:prstGeom prst="rect">
+                        <a:avLst/>
+                      </a:prstGeom>
+                    </p:spPr>
+                  </p:pic>
+                </p:oleObj>
+              </mc:Fallback>
+            </mc:AlternateContent>
+          </a:graphicData>
+        </a:graphic>
+      </p:graphicFrame>
+      <p:graphicFrame>
+        <p:nvGraphicFramePr>
+          <p:cNvPr id="52" name="对象 51">
+            <a:hlinkClick r:id="" action="ppaction://ole?verb="/>
+          </p:cNvPr>
+          <p:cNvGraphicFramePr>
+            <a:graphicFrameLocks noChangeAspect="1"/>
+          </p:cNvGraphicFramePr>
+          <p:nvPr/>
+        </p:nvGraphicFramePr>
+        <p:xfrm>
+          <a:off x="4013200" y="5578475"/>
+          <a:ext cx="114300" cy="114300"/>
+        </p:xfrm>
+        <a:graphic>
+          <a:graphicData uri="http://schemas.openxmlformats.org/presentationml/2006/ole">
+            <mc:AlternateContent xmlns:mc="http://schemas.openxmlformats.org/markup-compatibility/2006">
+              <mc:Choice xmlns:v="urn:schemas-microsoft-com:vml" Requires="v">
+                <p:oleObj spid="_x0000_s1025" name="" r:id="rId5" imgW="114300" imgH="114300" progId="Equation.KSEE3">
+                  <p:embed/>
+                </p:oleObj>
+              </mc:Choice>
+              <mc:Fallback>
+                <p:oleObj name="" r:id="rId5" imgW="114300" imgH="114300" progId="Equation.KSEE3">
+                  <p:embed/>
+                  <p:pic>
+                    <p:nvPicPr>
+                      <p:cNvPr id="0" name="图片 1024"/>
+                      <p:cNvPicPr/>
+                      <p:nvPr/>
+                    </p:nvPicPr>
+                    <p:blipFill>
+                      <a:blip r:embed="rId4"/>
+                      <a:stretch>
+                        <a:fillRect/>
+                      </a:stretch>
+                    </p:blipFill>
+                    <p:spPr>
+                      <a:xfrm>
+                        <a:off x="4013200" y="5578475"/>
+                        <a:ext cx="114300" cy="114300"/>
+                      </a:xfrm>
+                      <a:prstGeom prst="rect">
+                        <a:avLst/>
+                      </a:prstGeom>
+                    </p:spPr>
+                  </p:pic>
+                </p:oleObj>
+              </mc:Fallback>
+            </mc:AlternateContent>
+          </a:graphicData>
+        </a:graphic>
+      </p:graphicFrame>
+      <p:graphicFrame>
+        <p:nvGraphicFramePr>
+          <p:cNvPr id="53" name="对象 52">
+            <a:hlinkClick r:id="" action="ppaction://ole?verb="/>
+          </p:cNvPr>
+          <p:cNvGraphicFramePr>
+            <a:graphicFrameLocks noChangeAspect="1"/>
+          </p:cNvGraphicFramePr>
+          <p:nvPr/>
+        </p:nvGraphicFramePr>
+        <p:xfrm>
+          <a:off x="5539740" y="5578475"/>
+          <a:ext cx="114300" cy="114300"/>
+        </p:xfrm>
+        <a:graphic>
+          <a:graphicData uri="http://schemas.openxmlformats.org/presentationml/2006/ole">
+            <mc:AlternateContent xmlns:mc="http://schemas.openxmlformats.org/markup-compatibility/2006">
+              <mc:Choice xmlns:v="urn:schemas-microsoft-com:vml" Requires="v">
+                <p:oleObj spid="_x0000_s54" name="" r:id="rId6" imgW="114300" imgH="114300" progId="Equation.KSEE3">
+                  <p:embed/>
+                </p:oleObj>
+              </mc:Choice>
+              <mc:Fallback>
+                <p:oleObj name="" r:id="rId6" imgW="114300" imgH="114300" progId="Equation.KSEE3">
+                  <p:embed/>
+                  <p:pic>
+                    <p:nvPicPr>
+                      <p:cNvPr id="0" name="图片 1024"/>
+                      <p:cNvPicPr/>
+                      <p:nvPr/>
+                    </p:nvPicPr>
+                    <p:blipFill>
+                      <a:blip r:embed="rId4"/>
+                      <a:stretch>
+                        <a:fillRect/>
+                      </a:stretch>
+                    </p:blipFill>
+                    <p:spPr>
+                      <a:xfrm>
+                        <a:off x="5539740" y="5578475"/>
+                        <a:ext cx="114300" cy="114300"/>
+                      </a:xfrm>
+                      <a:prstGeom prst="rect">
+                        <a:avLst/>
+                      </a:prstGeom>
+                    </p:spPr>
+                  </p:pic>
+                </p:oleObj>
+              </mc:Fallback>
+            </mc:AlternateContent>
+          </a:graphicData>
+        </a:graphic>
+      </p:graphicFrame>
+      <p:graphicFrame>
+        <p:nvGraphicFramePr>
+          <p:cNvPr id="55" name="对象 54">
+            <a:hlinkClick r:id="" action="ppaction://ole?verb="/>
+          </p:cNvPr>
+          <p:cNvGraphicFramePr>
+            <a:graphicFrameLocks noChangeAspect="1"/>
+          </p:cNvGraphicFramePr>
+          <p:nvPr/>
+        </p:nvGraphicFramePr>
+        <p:xfrm>
+          <a:off x="6879590" y="5578475"/>
+          <a:ext cx="114300" cy="114300"/>
+        </p:xfrm>
+        <a:graphic>
+          <a:graphicData uri="http://schemas.openxmlformats.org/presentationml/2006/ole">
+            <mc:AlternateContent xmlns:mc="http://schemas.openxmlformats.org/markup-compatibility/2006">
+              <mc:Choice xmlns:v="urn:schemas-microsoft-com:vml" Requires="v">
+                <p:oleObj spid="_x0000_s56" name="" r:id="rId7" imgW="114300" imgH="114300" progId="Equation.KSEE3">
+                  <p:embed/>
+                </p:oleObj>
+              </mc:Choice>
+              <mc:Fallback>
+                <p:oleObj name="" r:id="rId7" imgW="114300" imgH="114300" progId="Equation.KSEE3">
+                  <p:embed/>
+                  <p:pic>
+                    <p:nvPicPr>
+                      <p:cNvPr id="0" name="图片 1024"/>
+                      <p:cNvPicPr/>
+                      <p:nvPr/>
+                    </p:nvPicPr>
+                    <p:blipFill>
+                      <a:blip r:embed="rId4"/>
+                      <a:stretch>
+                        <a:fillRect/>
+                      </a:stretch>
+                    </p:blipFill>
+                    <p:spPr>
+                      <a:xfrm>
+                        <a:off x="6879590" y="5578475"/>
+                        <a:ext cx="114300" cy="114300"/>
+                      </a:xfrm>
+                      <a:prstGeom prst="rect">
+                        <a:avLst/>
+                      </a:prstGeom>
+                    </p:spPr>
+                  </p:pic>
+                </p:oleObj>
+              </mc:Fallback>
+            </mc:AlternateContent>
+          </a:graphicData>
+        </a:graphic>
+      </p:graphicFrame>
+      <p:graphicFrame>
+        <p:nvGraphicFramePr>
+          <p:cNvPr id="57" name="对象 56">
+            <a:hlinkClick r:id="" action="ppaction://ole?verb="/>
+          </p:cNvPr>
+          <p:cNvGraphicFramePr>
+            <a:graphicFrameLocks noChangeAspect="1"/>
+          </p:cNvGraphicFramePr>
+          <p:nvPr/>
+        </p:nvGraphicFramePr>
+        <p:xfrm>
+          <a:off x="8294370" y="5578475"/>
+          <a:ext cx="114300" cy="114300"/>
+        </p:xfrm>
+        <a:graphic>
+          <a:graphicData uri="http://schemas.openxmlformats.org/presentationml/2006/ole">
+            <mc:AlternateContent xmlns:mc="http://schemas.openxmlformats.org/markup-compatibility/2006">
+              <mc:Choice xmlns:v="urn:schemas-microsoft-com:vml" Requires="v">
+                <p:oleObj spid="_x0000_s58" name="" r:id="rId8" imgW="114300" imgH="114300" progId="Equation.KSEE3">
+                  <p:embed/>
+                </p:oleObj>
+              </mc:Choice>
+              <mc:Fallback>
+                <p:oleObj name="" r:id="rId8" imgW="114300" imgH="114300" progId="Equation.KSEE3">
+                  <p:embed/>
+                  <p:pic>
+                    <p:nvPicPr>
+                      <p:cNvPr id="0" name="图片 1024"/>
+                      <p:cNvPicPr/>
+                      <p:nvPr/>
+                    </p:nvPicPr>
+                    <p:blipFill>
+                      <a:blip r:embed="rId4"/>
+                      <a:stretch>
+                        <a:fillRect/>
+                      </a:stretch>
+                    </p:blipFill>
+                    <p:spPr>
+                      <a:xfrm>
+                        <a:off x="8294370" y="5578475"/>
+                        <a:ext cx="114300" cy="114300"/>
+                      </a:xfrm>
+                      <a:prstGeom prst="rect">
+                        <a:avLst/>
+                      </a:prstGeom>
+                    </p:spPr>
+                  </p:pic>
+                </p:oleObj>
+              </mc:Fallback>
+            </mc:AlternateContent>
+          </a:graphicData>
+        </a:graphic>
+      </p:graphicFrame>
+      <p:graphicFrame>
+        <p:nvGraphicFramePr>
+          <p:cNvPr id="59" name="对象 58">
+            <a:hlinkClick r:id="" action="ppaction://ole?verb="/>
+          </p:cNvPr>
+          <p:cNvGraphicFramePr>
+            <a:graphicFrameLocks noChangeAspect="1"/>
+          </p:cNvGraphicFramePr>
+          <p:nvPr/>
+        </p:nvGraphicFramePr>
+        <p:xfrm>
+          <a:off x="9888220" y="5578475"/>
+          <a:ext cx="114300" cy="114300"/>
+        </p:xfrm>
+        <a:graphic>
+          <a:graphicData uri="http://schemas.openxmlformats.org/presentationml/2006/ole">
+            <mc:AlternateContent xmlns:mc="http://schemas.openxmlformats.org/markup-compatibility/2006">
+              <mc:Choice xmlns:v="urn:schemas-microsoft-com:vml" Requires="v">
+                <p:oleObj spid="_x0000_s60" name="" r:id="rId9" imgW="114300" imgH="114300" progId="Equation.KSEE3">
+                  <p:embed/>
+                </p:oleObj>
+              </mc:Choice>
+              <mc:Fallback>
+                <p:oleObj name="" r:id="rId9" imgW="114300" imgH="114300" progId="Equation.KSEE3">
+                  <p:embed/>
+                  <p:pic>
+                    <p:nvPicPr>
+                      <p:cNvPr id="0" name="图片 1024"/>
+                      <p:cNvPicPr/>
+                      <p:nvPr/>
+                    </p:nvPicPr>
+                    <p:blipFill>
+                      <a:blip r:embed="rId4"/>
+                      <a:stretch>
+                        <a:fillRect/>
+                      </a:stretch>
+                    </p:blipFill>
+                    <p:spPr>
+                      <a:xfrm>
+                        <a:off x="9888220" y="5578475"/>
+                        <a:ext cx="114300" cy="114300"/>
+                      </a:xfrm>
+                      <a:prstGeom prst="rect">
+                        <a:avLst/>
+                      </a:prstGeom>
+                    </p:spPr>
+                  </p:pic>
+                </p:oleObj>
+              </mc:Fallback>
+            </mc:AlternateContent>
+          </a:graphicData>
+        </a:graphic>
+      </p:graphicFrame>
+      <p:sp>
+        <p:nvSpPr>
+          <p:cNvPr id="64" name="文本框 63"/>
+          <p:cNvSpPr txBox="1"/>
+          <p:nvPr/>
+        </p:nvSpPr>
+        <p:spPr>
+          <a:xfrm>
+            <a:off x="7132955" y="1596390"/>
+            <a:ext cx="4240530" cy="1814830"/>
+          </a:xfrm>
+          <a:prstGeom prst="rect">
+            <a:avLst/>
+          </a:prstGeom>
+          <a:noFill/>
+        </p:spPr>
+        <p:txBody>
+          <a:bodyPr wrap="square" rtlCol="0" anchor="t">
+            <a:spAutoFit/>
+          </a:bodyPr>
+          <a:p>
+            <a:pPr marL="285750" indent="-285750">
+              <a:buFont typeface="Arial" panose="020B0604020202020204" pitchFamily="34" charset="0"/>
+              <a:buChar char="•"/>
+            </a:pPr>
+            <a:r>
+              <a:rPr lang="zh-CN" altLang="en-US" sz="1400"/>
+              <a:t>这个有限状态自动机可以用一个三维张量，以及两个向量表示。</a:t>
+            </a:r>
+            <a:endParaRPr lang="zh-CN" altLang="en-US" sz="1400"/>
+          </a:p>
+          <a:p>
+            <a:pPr marL="285750" indent="-285750">
+              <a:buFont typeface="Arial" panose="020B0604020202020204" pitchFamily="34" charset="0"/>
+              <a:buChar char="•"/>
+            </a:pPr>
+            <a:r>
+              <a:rPr lang="zh-CN" altLang="en-US" sz="1400"/>
+              <a:t>张量的三个纬度分别是词表大小 V，自动机状态数 S，以及状态数 S，可以看成是由每个单词对应的转移矩阵 stack 起来组成。</a:t>
+            </a:r>
+            <a:r>
+              <a:rPr lang="en-US" altLang="zh-CN" sz="1400" b="1"/>
+              <a:t>T</a:t>
+            </a:r>
+            <a:r>
+              <a:rPr lang="zh-CN" altLang="en-US" sz="1400" b="1"/>
+              <a:t>（</a:t>
+            </a:r>
+            <a:r>
+              <a:rPr lang="en-US" altLang="zh-CN" sz="1400" b="1"/>
+              <a:t>V x S x S</a:t>
+            </a:r>
+            <a:r>
+              <a:rPr lang="zh-CN" altLang="en-US" sz="1400" b="1"/>
+              <a:t>）</a:t>
+            </a:r>
+            <a:endParaRPr lang="zh-CN" altLang="en-US" sz="1400" b="1"/>
+          </a:p>
+          <a:p>
+            <a:pPr marL="285750" indent="-285750" algn="l">
+              <a:buFont typeface="Arial" panose="020B0604020202020204" pitchFamily="34" charset="0"/>
+              <a:buChar char="•"/>
+            </a:pPr>
+            <a:r>
+              <a:rPr lang="zh-CN" altLang="en-US" sz="1400"/>
+              <a:t>两个向量分别表示了自动机的初始状态以及结束状态。</a:t>
+            </a:r>
+            <a:r>
+              <a:rPr lang="en-US" altLang="zh-CN" sz="1400" b="1">
+                <a:sym typeface="+mn-ea"/>
+              </a:rPr>
+              <a:t>a</a:t>
+            </a:r>
+            <a:r>
+              <a:rPr lang="en-US" altLang="zh-CN" sz="1400" b="1" baseline="-25000">
+                <a:latin typeface="Arial" panose="020B0604020202020204" pitchFamily="34" charset="0"/>
+                <a:cs typeface="Arial" panose="020B0604020202020204" pitchFamily="34" charset="0"/>
+                <a:sym typeface="+mn-ea"/>
+              </a:rPr>
+              <a:t>0</a:t>
+            </a:r>
+            <a:r>
+              <a:rPr lang="zh-CN" altLang="en-US" sz="1400">
+                <a:latin typeface="Arial" panose="020B0604020202020204" pitchFamily="34" charset="0"/>
+                <a:cs typeface="Arial" panose="020B0604020202020204" pitchFamily="34" charset="0"/>
+                <a:sym typeface="+mn-ea"/>
+              </a:rPr>
+              <a:t>和</a:t>
+            </a:r>
+            <a:r>
+              <a:rPr lang="en-US" altLang="zh-CN" sz="1400" b="1">
+                <a:sym typeface="+mn-ea"/>
+              </a:rPr>
+              <a:t>a</a:t>
+            </a:r>
+            <a:r>
+              <a:rPr lang="en-US" altLang="zh-CN" sz="1400" b="1" baseline="-25000">
+                <a:latin typeface="Arial" panose="020B0604020202020204" pitchFamily="34" charset="0"/>
+                <a:cs typeface="Arial" panose="020B0604020202020204" pitchFamily="34" charset="0"/>
+                <a:sym typeface="+mn-ea"/>
+              </a:rPr>
+              <a:t>∞</a:t>
+            </a:r>
+            <a:r>
+              <a:rPr lang="zh-CN" altLang="en-US" sz="1400" baseline="-25000">
+                <a:latin typeface="Arial" panose="020B0604020202020204" pitchFamily="34" charset="0"/>
+                <a:cs typeface="Arial" panose="020B0604020202020204" pitchFamily="34" charset="0"/>
+                <a:sym typeface="+mn-ea"/>
+              </a:rPr>
+              <a:t>。</a:t>
+            </a:r>
+            <a:endParaRPr lang="en-US" altLang="zh-CN" sz="1400" b="1" i="1" baseline="30000">
+              <a:sym typeface="+mn-ea"/>
+            </a:endParaRPr>
+          </a:p>
+          <a:p>
+            <a:pPr marL="285750" indent="-285750">
+              <a:buFont typeface="Arial" panose="020B0604020202020204" pitchFamily="34" charset="0"/>
+              <a:buChar char="•"/>
+            </a:pPr>
+            <a:endParaRPr lang="zh-CN" altLang="en-US" sz="1400">
+              <a:latin typeface="Arial" panose="020B0604020202020204" pitchFamily="34" charset="0"/>
+              <a:cs typeface="Arial" panose="020B0604020202020204" pitchFamily="34" charset="0"/>
+              <a:sym typeface="+mn-ea"/>
+            </a:endParaRPr>
+          </a:p>
+        </p:txBody>
+      </p:sp>
+    </p:spTree>
+    <p:custDataLst>
+      <p:tags r:id="rId10"/>
+    </p:custDataLst>
+  </p:cSld>
+  <p:clrMapOvr>
+    <a:masterClrMapping/>
+  </p:clrMapOvr>
+</p:sld>
+</file>
+
+<file path=ppt/slides/slide5.xml><?xml version="1.0" encoding="utf-8"?>
+<p:sld xmlns:a="http://schemas.openxmlformats.org/drawingml/2006/main" xmlns:r="http://schemas.openxmlformats.org/officeDocument/2006/relationships" xmlns:p="http://schemas.openxmlformats.org/presentationml/2006/main">
+  <p:cSld>
+    <p:spTree>
+      <p:nvGrpSpPr>
+        <p:cNvPr id="1" name=""/>
+        <p:cNvGrpSpPr/>
+        <p:nvPr/>
+      </p:nvGrpSpPr>
+      <p:grpSpPr/>
+      <p:pic>
+        <p:nvPicPr>
+          <p:cNvPr id="43" name="图片 42"/>
+          <p:cNvPicPr>
+            <a:picLocks noChangeAspect="1"/>
+          </p:cNvPicPr>
+          <p:nvPr/>
+        </p:nvPicPr>
+        <p:blipFill>
+          <a:blip r:embed="rId1"/>
+          <a:stretch>
+            <a:fillRect/>
+          </a:stretch>
+        </p:blipFill>
+        <p:spPr>
+          <a:xfrm>
+            <a:off x="704215" y="2111375"/>
+            <a:ext cx="3880485" cy="2634615"/>
+          </a:xfrm>
+          <a:prstGeom prst="rect">
+            <a:avLst/>
+          </a:prstGeom>
+        </p:spPr>
+      </p:pic>
       <p:sp>
         <p:nvSpPr>
           <p:cNvPr id="47" name="矩形 46"/>
@@ -9175,8 +10023,8 @@
         </p:nvSpPr>
         <p:spPr>
           <a:xfrm>
-            <a:off x="6339205" y="956945"/>
-            <a:ext cx="2691765" cy="909955"/>
+            <a:off x="807720" y="2145665"/>
+            <a:ext cx="3143885" cy="1062990"/>
           </a:xfrm>
           <a:prstGeom prst="rect">
             <a:avLst/>
@@ -9216,9 +10064,100 @@
           </a:p>
         </p:txBody>
       </p:sp>
+      <p:pic>
+        <p:nvPicPr>
+          <p:cNvPr id="2" name="图片 1"/>
+          <p:cNvPicPr>
+            <a:picLocks noChangeAspect="1"/>
+          </p:cNvPicPr>
+          <p:nvPr/>
+        </p:nvPicPr>
+        <p:blipFill>
+          <a:blip r:embed="rId2"/>
+          <a:stretch>
+            <a:fillRect/>
+          </a:stretch>
+        </p:blipFill>
+        <p:spPr>
+          <a:xfrm>
+            <a:off x="5029200" y="2145665"/>
+            <a:ext cx="6858000" cy="2124075"/>
+          </a:xfrm>
+          <a:prstGeom prst="rect">
+            <a:avLst/>
+          </a:prstGeom>
+        </p:spPr>
+      </p:pic>
+      <p:sp>
+        <p:nvSpPr>
+          <p:cNvPr id="39" name="文本框 38"/>
+          <p:cNvSpPr txBox="1"/>
+          <p:nvPr/>
+        </p:nvSpPr>
+        <p:spPr>
+          <a:xfrm>
+            <a:off x="7335520" y="4377690"/>
+            <a:ext cx="1363980" cy="368300"/>
+          </a:xfrm>
+          <a:prstGeom prst="rect">
+            <a:avLst/>
+          </a:prstGeom>
+          <a:noFill/>
+        </p:spPr>
+        <p:txBody>
+          <a:bodyPr wrap="none" rtlCol="0">
+            <a:spAutoFit/>
+          </a:bodyPr>
+          <a:p>
+            <a:pPr algn="l"/>
+            <a:r>
+              <a:rPr lang="en-US" altLang="zh-CN"/>
+              <a:t>RNN</a:t>
+            </a:r>
+            <a:r>
+              <a:rPr lang="zh-CN" altLang="en-US"/>
+              <a:t>示意图</a:t>
+            </a:r>
+            <a:endParaRPr lang="zh-CN" altLang="en-US"/>
+          </a:p>
+        </p:txBody>
+      </p:sp>
+      <p:cxnSp>
+        <p:nvCxnSpPr>
+          <p:cNvPr id="5" name="直接箭头连接符 4"/>
+          <p:cNvCxnSpPr/>
+          <p:nvPr/>
+        </p:nvCxnSpPr>
+        <p:spPr>
+          <a:xfrm flipH="1">
+            <a:off x="2607310" y="3303270"/>
+            <a:ext cx="6511925" cy="623570"/>
+          </a:xfrm>
+          <a:prstGeom prst="straightConnector1">
+            <a:avLst/>
+          </a:prstGeom>
+          <a:ln>
+            <a:tailEnd type="arrow"/>
+          </a:ln>
+        </p:spPr>
+        <p:style>
+          <a:lnRef idx="1">
+            <a:schemeClr val="accent1"/>
+          </a:lnRef>
+          <a:fillRef idx="0">
+            <a:schemeClr val="accent1"/>
+          </a:fillRef>
+          <a:effectRef idx="0">
+            <a:schemeClr val="accent1"/>
+          </a:effectRef>
+          <a:fontRef idx="minor">
+            <a:schemeClr val="tx1"/>
+          </a:fontRef>
+        </p:style>
+      </p:cxnSp>
     </p:spTree>
     <p:custDataLst>
-      <p:tags r:id="rId2"/>
+      <p:tags r:id="rId3"/>
     </p:custDataLst>
   </p:cSld>
   <p:clrMapOvr>
@@ -9227,7 +10166,7 @@
 </p:sld>
 </file>
 
-<file path=ppt/slides/slide3.xml><?xml version="1.0" encoding="utf-8"?>
+<file path=ppt/slides/slide6.xml><?xml version="1.0" encoding="utf-8"?>
 <p:sld xmlns:a="http://schemas.openxmlformats.org/drawingml/2006/main" xmlns:r="http://schemas.openxmlformats.org/officeDocument/2006/relationships" xmlns:p="http://schemas.openxmlformats.org/presentationml/2006/main">
   <p:cSld>
     <p:spTree>
@@ -9272,7 +10211,7 @@
 </p:sld>
 </file>
 
-<file path=ppt/slides/slide4.xml><?xml version="1.0" encoding="utf-8"?>
+<file path=ppt/slides/slide7.xml><?xml version="1.0" encoding="utf-8"?>
 <p:sld xmlns:a="http://schemas.openxmlformats.org/drawingml/2006/main" xmlns:r="http://schemas.openxmlformats.org/officeDocument/2006/relationships" xmlns:p="http://schemas.openxmlformats.org/presentationml/2006/main">
   <p:cSld>
     <p:spTree>
@@ -11988,61 +12927,25 @@
 
 <file path=ppt/tags/tag62.xml><?xml version="1.0" encoding="utf-8"?>
 <p:tagLst xmlns:p="http://schemas.openxmlformats.org/presentationml/2006/main">
-  <p:tag name="KSO_WM_UNIT_ISCONTENTSTITLE" val="0"/>
-  <p:tag name="KSO_WM_UNIT_PRESET_TEXT" val="空白演示"/>
-  <p:tag name="KSO_WM_UNIT_NOCLEAR" val="0"/>
-  <p:tag name="KSO_WM_UNIT_VALUE" val="13"/>
-  <p:tag name="KSO_WM_UNIT_HIGHLIGHT" val="0"/>
-  <p:tag name="KSO_WM_UNIT_COMPATIBLE" val="0"/>
-  <p:tag name="KSO_WM_UNIT_DIAGRAM_ISNUMVISUAL" val="0"/>
-  <p:tag name="KSO_WM_UNIT_DIAGRAM_ISREFERUNIT" val="0"/>
-  <p:tag name="KSO_WM_UNIT_TYPE" val="a"/>
-  <p:tag name="KSO_WM_UNIT_INDEX" val="1"/>
-  <p:tag name="KSO_WM_UNIT_ID" val="custom20187308_1*a*1"/>
+  <p:tag name="KSO_WM_BEAUTIFY_FLAG" val="#wm#"/>
   <p:tag name="KSO_WM_TEMPLATE_CATEGORY" val="custom"/>
   <p:tag name="KSO_WM_TEMPLATE_INDEX" val="20187308"/>
-  <p:tag name="KSO_WM_UNIT_LAYERLEVEL" val="1"/>
-  <p:tag name="KSO_WM_TAG_VERSION" val="1.0"/>
-  <p:tag name="KSO_WM_BEAUTIFY_FLAG" val="#wm#"/>
 </p:tagLst>
 </file>
 
 <file path=ppt/tags/tag63.xml><?xml version="1.0" encoding="utf-8"?>
 <p:tagLst xmlns:p="http://schemas.openxmlformats.org/presentationml/2006/main">
-  <p:tag name="KSO_WM_UNIT_ISCONTENTSTITLE" val="0"/>
-  <p:tag name="KSO_WM_UNIT_PRESET_TEXT" val="在此输入您的封面副标题"/>
-  <p:tag name="KSO_WM_UNIT_NOCLEAR" val="0"/>
-  <p:tag name="KSO_WM_UNIT_VALUE" val="156"/>
-  <p:tag name="KSO_WM_UNIT_HIGHLIGHT" val="0"/>
-  <p:tag name="KSO_WM_UNIT_COMPATIBLE" val="0"/>
-  <p:tag name="KSO_WM_UNIT_DIAGRAM_ISNUMVISUAL" val="0"/>
-  <p:tag name="KSO_WM_UNIT_DIAGRAM_ISREFERUNIT" val="0"/>
-  <p:tag name="KSO_WM_UNIT_TYPE" val="b"/>
-  <p:tag name="KSO_WM_UNIT_INDEX" val="1"/>
-  <p:tag name="KSO_WM_UNIT_ID" val="custom20187308_1*b*1"/>
+  <p:tag name="KSO_WM_BEAUTIFY_FLAG" val="#wm#"/>
   <p:tag name="KSO_WM_TEMPLATE_CATEGORY" val="custom"/>
   <p:tag name="KSO_WM_TEMPLATE_INDEX" val="20187308"/>
-  <p:tag name="KSO_WM_UNIT_LAYERLEVEL" val="1"/>
-  <p:tag name="KSO_WM_TAG_VERSION" val="1.0"/>
-  <p:tag name="KSO_WM_BEAUTIFY_FLAG" val="#wm#"/>
 </p:tagLst>
 </file>
 
 <file path=ppt/tags/tag64.xml><?xml version="1.0" encoding="utf-8"?>
 <p:tagLst xmlns:p="http://schemas.openxmlformats.org/presentationml/2006/main">
-  <p:tag name="KSO_WM_TEMPLATE_THUMBS_INDEX" val="1、2、3、6、8、10、11、12、15"/>
-  <p:tag name="KSO_WM_SLIDE_ID" val="custom20187308_1"/>
-  <p:tag name="KSO_WM_TEMPLATE_SUBCATEGORY" val="0"/>
-  <p:tag name="KSO_WM_SLIDE_TYPE" val="title"/>
-  <p:tag name="KSO_WM_SLIDE_SUBTYPE" val="pureTxt"/>
-  <p:tag name="KSO_WM_SLIDE_ITEM_CNT" val="0"/>
-  <p:tag name="KSO_WM_SLIDE_INDEX" val="1"/>
-  <p:tag name="KSO_WM_TAG_VERSION" val="1.0"/>
   <p:tag name="KSO_WM_BEAUTIFY_FLAG" val="#wm#"/>
   <p:tag name="KSO_WM_TEMPLATE_CATEGORY" val="custom"/>
   <p:tag name="KSO_WM_TEMPLATE_INDEX" val="20187308"/>
-  <p:tag name="KSO_WM_SLIDE_LAYOUT" val="a_b"/>
-  <p:tag name="KSO_WM_SLIDE_LAYOUT_CNT" val="1_1"/>
 </p:tagLst>
 </file>
 
@@ -12063,6 +12966,14 @@
 </file>
 
 <file path=ppt/tags/tag67.xml><?xml version="1.0" encoding="utf-8"?>
+<p:tagLst xmlns:p="http://schemas.openxmlformats.org/presentationml/2006/main">
+  <p:tag name="KSO_WM_BEAUTIFY_FLAG" val="#wm#"/>
+  <p:tag name="KSO_WM_TEMPLATE_CATEGORY" val="custom"/>
+  <p:tag name="KSO_WM_TEMPLATE_INDEX" val="20187308"/>
+</p:tagLst>
+</file>
+
+<file path=ppt/tags/tag68.xml><?xml version="1.0" encoding="utf-8"?>
 <p:tagLst xmlns:p="http://schemas.openxmlformats.org/presentationml/2006/main">
   <p:tag name="KSO_WM_BEAUTIFY_FLAG" val="#wm#"/>
   <p:tag name="KSO_WM_TEMPLATE_CATEGORY" val="custom"/>
